--- a/src/morea/08.project1/project1/Project1.pptx
+++ b/src/morea/08.project1/project1/Project1.pptx
@@ -219,7 +219,7 @@
           <a:p>
             <a:fld id="{BB6BAE91-212C-F34F-A74B-874A8C7A7F45}" type="datetimeFigureOut">
               <a:rPr lang="en-US" smtClean="0"/>
-              <a:t>3/1/15</a:t>
+              <a:t>3/23/15</a:t>
             </a:fld>
             <a:endParaRPr lang="en-US"/>
           </a:p>
@@ -6996,7 +6996,7 @@
           <a:p>
             <a:fld id="{95D0A52A-683A-E348-B00D-319C34B8C99A}" type="datetimeFigureOut">
               <a:rPr lang="en-US" smtClean="0"/>
-              <a:t>3/1/15</a:t>
+              <a:t>3/23/15</a:t>
             </a:fld>
             <a:endParaRPr lang="en-US"/>
           </a:p>
@@ -7166,7 +7166,7 @@
           <a:p>
             <a:fld id="{95D0A52A-683A-E348-B00D-319C34B8C99A}" type="datetimeFigureOut">
               <a:rPr lang="en-US" smtClean="0"/>
-              <a:t>3/1/15</a:t>
+              <a:t>3/23/15</a:t>
             </a:fld>
             <a:endParaRPr lang="en-US"/>
           </a:p>
@@ -7346,7 +7346,7 @@
           <a:p>
             <a:fld id="{95D0A52A-683A-E348-B00D-319C34B8C99A}" type="datetimeFigureOut">
               <a:rPr lang="en-US" smtClean="0"/>
-              <a:t>3/1/15</a:t>
+              <a:t>3/23/15</a:t>
             </a:fld>
             <a:endParaRPr lang="en-US"/>
           </a:p>
@@ -7516,7 +7516,7 @@
           <a:p>
             <a:fld id="{95D0A52A-683A-E348-B00D-319C34B8C99A}" type="datetimeFigureOut">
               <a:rPr lang="en-US" smtClean="0"/>
-              <a:t>3/1/15</a:t>
+              <a:t>3/23/15</a:t>
             </a:fld>
             <a:endParaRPr lang="en-US"/>
           </a:p>
@@ -7762,7 +7762,7 @@
           <a:p>
             <a:fld id="{95D0A52A-683A-E348-B00D-319C34B8C99A}" type="datetimeFigureOut">
               <a:rPr lang="en-US" smtClean="0"/>
-              <a:t>3/1/15</a:t>
+              <a:t>3/23/15</a:t>
             </a:fld>
             <a:endParaRPr lang="en-US"/>
           </a:p>
@@ -8050,7 +8050,7 @@
           <a:p>
             <a:fld id="{95D0A52A-683A-E348-B00D-319C34B8C99A}" type="datetimeFigureOut">
               <a:rPr lang="en-US" smtClean="0"/>
-              <a:t>3/1/15</a:t>
+              <a:t>3/23/15</a:t>
             </a:fld>
             <a:endParaRPr lang="en-US"/>
           </a:p>
@@ -8472,7 +8472,7 @@
           <a:p>
             <a:fld id="{95D0A52A-683A-E348-B00D-319C34B8C99A}" type="datetimeFigureOut">
               <a:rPr lang="en-US" smtClean="0"/>
-              <a:t>3/1/15</a:t>
+              <a:t>3/23/15</a:t>
             </a:fld>
             <a:endParaRPr lang="en-US"/>
           </a:p>
@@ -8590,7 +8590,7 @@
           <a:p>
             <a:fld id="{95D0A52A-683A-E348-B00D-319C34B8C99A}" type="datetimeFigureOut">
               <a:rPr lang="en-US" smtClean="0"/>
-              <a:t>3/1/15</a:t>
+              <a:t>3/23/15</a:t>
             </a:fld>
             <a:endParaRPr lang="en-US"/>
           </a:p>
@@ -8685,7 +8685,7 @@
           <a:p>
             <a:fld id="{95D0A52A-683A-E348-B00D-319C34B8C99A}" type="datetimeFigureOut">
               <a:rPr lang="en-US" smtClean="0"/>
-              <a:t>3/1/15</a:t>
+              <a:t>3/23/15</a:t>
             </a:fld>
             <a:endParaRPr lang="en-US"/>
           </a:p>
@@ -8962,7 +8962,7 @@
           <a:p>
             <a:fld id="{95D0A52A-683A-E348-B00D-319C34B8C99A}" type="datetimeFigureOut">
               <a:rPr lang="en-US" smtClean="0"/>
-              <a:t>3/1/15</a:t>
+              <a:t>3/23/15</a:t>
             </a:fld>
             <a:endParaRPr lang="en-US"/>
           </a:p>
@@ -9215,7 +9215,7 @@
           <a:p>
             <a:fld id="{95D0A52A-683A-E348-B00D-319C34B8C99A}" type="datetimeFigureOut">
               <a:rPr lang="en-US" smtClean="0"/>
-              <a:t>3/1/15</a:t>
+              <a:t>3/23/15</a:t>
             </a:fld>
             <a:endParaRPr lang="en-US"/>
           </a:p>
@@ -9428,7 +9428,7 @@
           <a:p>
             <a:fld id="{95D0A52A-683A-E348-B00D-319C34B8C99A}" type="datetimeFigureOut">
               <a:rPr lang="en-US" smtClean="0"/>
-              <a:t>3/1/15</a:t>
+              <a:t>3/23/15</a:t>
             </a:fld>
             <a:endParaRPr lang="en-US"/>
           </a:p>
@@ -9871,11 +9871,11 @@
   <p:clrMapOvr>
     <a:masterClrMapping/>
   </p:clrMapOvr>
-  <mc:AlternateContent xmlns:mc="http://schemas.openxmlformats.org/markup-compatibility/2006">
-    <mc:Choice xmlns:p14="http://schemas.microsoft.com/office/powerpoint/2010/main" Requires="p14">
+  <mc:AlternateContent xmlns:mc="http://schemas.openxmlformats.org/markup-compatibility/2006" xmlns:p14="http://schemas.microsoft.com/office/powerpoint/2010/main">
+    <mc:Choice Requires="p14">
       <p:transition spd="slow" p14:dur="2000"/>
     </mc:Choice>
-    <mc:Fallback>
+    <mc:Fallback xmlns="">
       <p:transition xmlns:p14="http://schemas.microsoft.com/office/powerpoint/2010/main" spd="slow"/>
     </mc:Fallback>
   </mc:AlternateContent>
@@ -16586,11 +16586,11 @@
   <p:clrMapOvr>
     <a:masterClrMapping/>
   </p:clrMapOvr>
-  <mc:AlternateContent xmlns:mc="http://schemas.openxmlformats.org/markup-compatibility/2006">
-    <mc:Choice xmlns:p14="http://schemas.microsoft.com/office/powerpoint/2010/main" Requires="p14">
+  <mc:AlternateContent xmlns:mc="http://schemas.openxmlformats.org/markup-compatibility/2006" xmlns:p14="http://schemas.microsoft.com/office/powerpoint/2010/main">
+    <mc:Choice Requires="p14">
       <p:transition spd="slow" p14:dur="2000"/>
     </mc:Choice>
-    <mc:Fallback>
+    <mc:Fallback xmlns="">
       <p:transition xmlns:p14="http://schemas.microsoft.com/office/powerpoint/2010/main" spd="slow"/>
     </mc:Fallback>
   </mc:AlternateContent>
@@ -23878,11 +23878,11 @@
   <p:clrMapOvr>
     <a:masterClrMapping/>
   </p:clrMapOvr>
-  <mc:AlternateContent xmlns:mc="http://schemas.openxmlformats.org/markup-compatibility/2006">
-    <mc:Choice xmlns:p14="http://schemas.microsoft.com/office/powerpoint/2010/main" Requires="p14">
+  <mc:AlternateContent xmlns:mc="http://schemas.openxmlformats.org/markup-compatibility/2006" xmlns:p14="http://schemas.microsoft.com/office/powerpoint/2010/main">
+    <mc:Choice Requires="p14">
       <p:transition spd="slow" p14:dur="2000"/>
     </mc:Choice>
-    <mc:Fallback>
+    <mc:Fallback xmlns="">
       <p:transition xmlns:p14="http://schemas.microsoft.com/office/powerpoint/2010/main" spd="slow"/>
     </mc:Fallback>
   </mc:AlternateContent>
@@ -24163,11 +24163,11 @@
   <p:clrMapOvr>
     <a:masterClrMapping/>
   </p:clrMapOvr>
-  <mc:AlternateContent xmlns:mc="http://schemas.openxmlformats.org/markup-compatibility/2006">
-    <mc:Choice xmlns:p14="http://schemas.microsoft.com/office/powerpoint/2010/main" Requires="p14">
+  <mc:AlternateContent xmlns:mc="http://schemas.openxmlformats.org/markup-compatibility/2006" xmlns:p14="http://schemas.microsoft.com/office/powerpoint/2010/main">
+    <mc:Choice Requires="p14">
       <p:transition spd="slow" p14:dur="2000"/>
     </mc:Choice>
-    <mc:Fallback>
+    <mc:Fallback xmlns="">
       <p:transition xmlns:p14="http://schemas.microsoft.com/office/powerpoint/2010/main" spd="slow"/>
     </mc:Fallback>
   </mc:AlternateContent>

--- a/src/morea/08.project1/project1/Project1.pptx
+++ b/src/morea/08.project1/project1/Project1.pptx
@@ -219,7 +219,7 @@
           <a:p>
             <a:fld id="{BB6BAE91-212C-F34F-A74B-874A8C7A7F45}" type="datetimeFigureOut">
               <a:rPr lang="en-US" smtClean="0"/>
-              <a:t>3/23/15</a:t>
+              <a:t>3/29/15</a:t>
             </a:fld>
             <a:endParaRPr lang="en-US"/>
           </a:p>
@@ -6996,7 +6996,7 @@
           <a:p>
             <a:fld id="{95D0A52A-683A-E348-B00D-319C34B8C99A}" type="datetimeFigureOut">
               <a:rPr lang="en-US" smtClean="0"/>
-              <a:t>3/23/15</a:t>
+              <a:t>3/29/15</a:t>
             </a:fld>
             <a:endParaRPr lang="en-US"/>
           </a:p>
@@ -7166,7 +7166,7 @@
           <a:p>
             <a:fld id="{95D0A52A-683A-E348-B00D-319C34B8C99A}" type="datetimeFigureOut">
               <a:rPr lang="en-US" smtClean="0"/>
-              <a:t>3/23/15</a:t>
+              <a:t>3/29/15</a:t>
             </a:fld>
             <a:endParaRPr lang="en-US"/>
           </a:p>
@@ -7346,7 +7346,7 @@
           <a:p>
             <a:fld id="{95D0A52A-683A-E348-B00D-319C34B8C99A}" type="datetimeFigureOut">
               <a:rPr lang="en-US" smtClean="0"/>
-              <a:t>3/23/15</a:t>
+              <a:t>3/29/15</a:t>
             </a:fld>
             <a:endParaRPr lang="en-US"/>
           </a:p>
@@ -7516,7 +7516,7 @@
           <a:p>
             <a:fld id="{95D0A52A-683A-E348-B00D-319C34B8C99A}" type="datetimeFigureOut">
               <a:rPr lang="en-US" smtClean="0"/>
-              <a:t>3/23/15</a:t>
+              <a:t>3/29/15</a:t>
             </a:fld>
             <a:endParaRPr lang="en-US"/>
           </a:p>
@@ -7762,7 +7762,7 @@
           <a:p>
             <a:fld id="{95D0A52A-683A-E348-B00D-319C34B8C99A}" type="datetimeFigureOut">
               <a:rPr lang="en-US" smtClean="0"/>
-              <a:t>3/23/15</a:t>
+              <a:t>3/29/15</a:t>
             </a:fld>
             <a:endParaRPr lang="en-US"/>
           </a:p>
@@ -8050,7 +8050,7 @@
           <a:p>
             <a:fld id="{95D0A52A-683A-E348-B00D-319C34B8C99A}" type="datetimeFigureOut">
               <a:rPr lang="en-US" smtClean="0"/>
-              <a:t>3/23/15</a:t>
+              <a:t>3/29/15</a:t>
             </a:fld>
             <a:endParaRPr lang="en-US"/>
           </a:p>
@@ -8472,7 +8472,7 @@
           <a:p>
             <a:fld id="{95D0A52A-683A-E348-B00D-319C34B8C99A}" type="datetimeFigureOut">
               <a:rPr lang="en-US" smtClean="0"/>
-              <a:t>3/23/15</a:t>
+              <a:t>3/29/15</a:t>
             </a:fld>
             <a:endParaRPr lang="en-US"/>
           </a:p>
@@ -8590,7 +8590,7 @@
           <a:p>
             <a:fld id="{95D0A52A-683A-E348-B00D-319C34B8C99A}" type="datetimeFigureOut">
               <a:rPr lang="en-US" smtClean="0"/>
-              <a:t>3/23/15</a:t>
+              <a:t>3/29/15</a:t>
             </a:fld>
             <a:endParaRPr lang="en-US"/>
           </a:p>
@@ -8685,7 +8685,7 @@
           <a:p>
             <a:fld id="{95D0A52A-683A-E348-B00D-319C34B8C99A}" type="datetimeFigureOut">
               <a:rPr lang="en-US" smtClean="0"/>
-              <a:t>3/23/15</a:t>
+              <a:t>3/29/15</a:t>
             </a:fld>
             <a:endParaRPr lang="en-US"/>
           </a:p>
@@ -8962,7 +8962,7 @@
           <a:p>
             <a:fld id="{95D0A52A-683A-E348-B00D-319C34B8C99A}" type="datetimeFigureOut">
               <a:rPr lang="en-US" smtClean="0"/>
-              <a:t>3/23/15</a:t>
+              <a:t>3/29/15</a:t>
             </a:fld>
             <a:endParaRPr lang="en-US"/>
           </a:p>
@@ -9215,7 +9215,7 @@
           <a:p>
             <a:fld id="{95D0A52A-683A-E348-B00D-319C34B8C99A}" type="datetimeFigureOut">
               <a:rPr lang="en-US" smtClean="0"/>
-              <a:t>3/23/15</a:t>
+              <a:t>3/29/15</a:t>
             </a:fld>
             <a:endParaRPr lang="en-US"/>
           </a:p>
@@ -9428,7 +9428,7 @@
           <a:p>
             <a:fld id="{95D0A52A-683A-E348-B00D-319C34B8C99A}" type="datetimeFigureOut">
               <a:rPr lang="en-US" smtClean="0"/>
-              <a:t>3/23/15</a:t>
+              <a:t>3/29/15</a:t>
             </a:fld>
             <a:endParaRPr lang="en-US"/>
           </a:p>
@@ -27117,9 +27117,11 @@
             <a:avLst/>
           </a:prstGeom>
           <a:solidFill>
-            <a:srgbClr val="CCFF99">
+            <a:schemeClr val="tx1">
+              <a:lumMod val="50000"/>
+              <a:lumOff val="50000"/>
               <a:alpha val="38000"/>
-            </a:srgbClr>
+            </a:schemeClr>
           </a:solidFill>
           <a:ln>
             <a:noFill/>
@@ -27166,9 +27168,11 @@
             <a:avLst/>
           </a:prstGeom>
           <a:solidFill>
-            <a:srgbClr val="CCFF99">
+            <a:schemeClr val="tx1">
+              <a:lumMod val="50000"/>
+              <a:lumOff val="50000"/>
               <a:alpha val="38000"/>
-            </a:srgbClr>
+            </a:schemeClr>
           </a:solidFill>
           <a:ln>
             <a:noFill/>
@@ -27215,9 +27219,11 @@
             <a:avLst/>
           </a:prstGeom>
           <a:solidFill>
-            <a:srgbClr val="CCFF99">
+            <a:schemeClr val="tx1">
+              <a:lumMod val="50000"/>
+              <a:lumOff val="50000"/>
               <a:alpha val="38000"/>
-            </a:srgbClr>
+            </a:schemeClr>
           </a:solidFill>
           <a:ln>
             <a:noFill/>
